--- a/Liatrio Exercise Formated White.pptx
+++ b/Liatrio Exercise Formated White.pptx
@@ -516,6 +516,118 @@
           <a:p>
             <a:r>
               <a:rPr lang="en-US" dirty="0"/>
+              <a:t>Welcome all for this exercise review. Thank you all first of all for giving me the opportunity to reflect and present to you around a topic I like so much.</a:t>
+            </a:r>
+          </a:p>
+        </p:txBody>
+      </p:sp>
+      <p:sp>
+        <p:nvSpPr>
+          <p:cNvPr id="4" name="Slide Number Placeholder 3"/>
+          <p:cNvSpPr>
+            <a:spLocks noGrp="1"/>
+          </p:cNvSpPr>
+          <p:nvPr>
+            <p:ph type="sldNum" sz="quarter" idx="5"/>
+          </p:nvPr>
+        </p:nvSpPr>
+        <p:spPr/>
+        <p:txBody>
+          <a:bodyPr/>
+          <a:lstStyle/>
+          <a:p>
+            <a:fld id="{CCB2A5B5-3D28-1E45-A9DA-87A118154664}" type="slidenum">
+              <a:rPr lang="en-US" smtClean="0"/>
+              <a:t>1</a:t>
+            </a:fld>
+            <a:endParaRPr lang="en-US"/>
+          </a:p>
+        </p:txBody>
+      </p:sp>
+    </p:spTree>
+    <p:extLst>
+      <p:ext uri="{BB962C8B-B14F-4D97-AF65-F5344CB8AC3E}">
+        <p14:creationId xmlns:p14="http://schemas.microsoft.com/office/powerpoint/2010/main" val="44451234"/>
+      </p:ext>
+    </p:extLst>
+  </p:cSld>
+  <p:clrMapOvr>
+    <a:masterClrMapping/>
+  </p:clrMapOvr>
+</p:notes>
+</file>
+
+<file path=ppt/notesSlides/notesSlide2.xml><?xml version="1.0" encoding="utf-8"?>
+<p:notes xmlns:a="http://schemas.openxmlformats.org/drawingml/2006/main" xmlns:r="http://schemas.openxmlformats.org/officeDocument/2006/relationships" xmlns:p="http://schemas.openxmlformats.org/presentationml/2006/main">
+  <p:cSld>
+    <p:spTree>
+      <p:nvGrpSpPr>
+        <p:cNvPr id="1" name=""/>
+        <p:cNvGrpSpPr/>
+        <p:nvPr/>
+      </p:nvGrpSpPr>
+      <p:grpSpPr>
+        <a:xfrm>
+          <a:off x="0" y="0"/>
+          <a:ext cx="0" cy="0"/>
+          <a:chOff x="0" y="0"/>
+          <a:chExt cx="0" cy="0"/>
+        </a:xfrm>
+      </p:grpSpPr>
+      <p:sp>
+        <p:nvSpPr>
+          <p:cNvPr id="2" name="Slide Image Placeholder 1"/>
+          <p:cNvSpPr>
+            <a:spLocks noGrp="1" noRot="1" noChangeAspect="1"/>
+          </p:cNvSpPr>
+          <p:nvPr>
+            <p:ph type="sldImg"/>
+          </p:nvPr>
+        </p:nvSpPr>
+        <p:spPr/>
+      </p:sp>
+      <p:sp>
+        <p:nvSpPr>
+          <p:cNvPr id="3" name="Notes Placeholder 2"/>
+          <p:cNvSpPr>
+            <a:spLocks noGrp="1"/>
+          </p:cNvSpPr>
+          <p:nvPr>
+            <p:ph type="body" idx="1"/>
+          </p:nvPr>
+        </p:nvSpPr>
+        <p:spPr/>
+        <p:txBody>
+          <a:bodyPr/>
+          <a:lstStyle/>
+          <a:p>
+            <a:r>
+              <a:rPr lang="en-US" dirty="0"/>
+              <a:t>I will start by describing you the main </a:t>
+            </a:r>
+            <a:r>
+              <a:rPr lang="en-US" dirty="0" err="1"/>
+              <a:t>carachter</a:t>
+            </a:r>
+            <a:r>
+              <a:rPr lang="en-US" dirty="0"/>
+              <a:t> of this tale : Leo Mattos. I am and adventurer, that got his passion to coach and lead teams on behavior modeling or changing when I started to work more serious as soccer coach as </a:t>
+            </a:r>
+            <a:r>
+              <a:rPr lang="en-US" dirty="0" err="1"/>
+              <a:t>hobbie</a:t>
+            </a:r>
+            <a:r>
+              <a:rPr lang="en-US" dirty="0"/>
+              <a:t>. Similarly on my many years of playing and watching soccer, I have over 20 years in the industry, always close to development. On one the highest point, for me, is that I know how is to be in the “other side”, on the developer shoes with all pressure of big companies and pressure to deliver. And I all my Lean DevOps experiments, started with the desired ( or it would be a need ) to never come back to that situation.</a:t>
+            </a:r>
+          </a:p>
+          <a:p>
+            <a:endParaRPr lang="en-US" dirty="0"/>
+          </a:p>
+          <a:p>
+            <a:r>
+              <a:rPr lang="en-US" dirty="0"/>
               <a:t>Adventurer : </a:t>
             </a:r>
             <a:r>
@@ -619,7 +731,7 @@
 </p:notes>
 </file>
 
-<file path=ppt/notesSlides/notesSlide2.xml><?xml version="1.0" encoding="utf-8"?>
+<file path=ppt/notesSlides/notesSlide3.xml><?xml version="1.0" encoding="utf-8"?>
 <p:notes xmlns:a="http://schemas.openxmlformats.org/drawingml/2006/main" xmlns:r="http://schemas.openxmlformats.org/officeDocument/2006/relationships" xmlns:p="http://schemas.openxmlformats.org/presentationml/2006/main">
   <p:cSld>
     <p:spTree>
@@ -665,6 +777,140 @@
           <a:p>
             <a:r>
               <a:rPr lang="en-US" dirty="0"/>
+              <a:t>And what was the journey of our hero? The mission as I took it was to use the hero’s background and real life experiences on different business and domains, to describe how an end to end delivery pipeline would look like representing the values behind the 3 ways of </a:t>
+            </a:r>
+            <a:r>
+              <a:rPr lang="en-US" dirty="0" err="1"/>
+              <a:t>devops</a:t>
+            </a:r>
+            <a:r>
+              <a:rPr lang="en-US" dirty="0"/>
+              <a:t> and putting them in practice. And the journey started by framing the problem and </a:t>
+            </a:r>
+            <a:r>
+              <a:rPr lang="en-US" dirty="0" err="1"/>
+              <a:t>comiting</a:t>
+            </a:r>
+            <a:r>
+              <a:rPr lang="en-US" dirty="0"/>
+              <a:t> to a clear goal, passing by support of Constance communication with the council, and finalizing in the results through the valley of MVP concept. I took the journey as an opportunity to demonstrate a summary of what kind of pipelines I have seem working on most generic cases.</a:t>
+            </a:r>
+          </a:p>
+        </p:txBody>
+      </p:sp>
+      <p:sp>
+        <p:nvSpPr>
+          <p:cNvPr id="4" name="Slide Number Placeholder 3"/>
+          <p:cNvSpPr>
+            <a:spLocks noGrp="1"/>
+          </p:cNvSpPr>
+          <p:nvPr>
+            <p:ph type="sldNum" sz="quarter" idx="5"/>
+          </p:nvPr>
+        </p:nvSpPr>
+        <p:spPr/>
+        <p:txBody>
+          <a:bodyPr/>
+          <a:lstStyle/>
+          <a:p>
+            <a:fld id="{CCB2A5B5-3D28-1E45-A9DA-87A118154664}" type="slidenum">
+              <a:rPr lang="en-US" smtClean="0"/>
+              <a:t>3</a:t>
+            </a:fld>
+            <a:endParaRPr lang="en-US"/>
+          </a:p>
+        </p:txBody>
+      </p:sp>
+    </p:spTree>
+    <p:extLst>
+      <p:ext uri="{BB962C8B-B14F-4D97-AF65-F5344CB8AC3E}">
+        <p14:creationId xmlns:p14="http://schemas.microsoft.com/office/powerpoint/2010/main" val="3996860942"/>
+      </p:ext>
+    </p:extLst>
+  </p:cSld>
+  <p:clrMapOvr>
+    <a:masterClrMapping/>
+  </p:clrMapOvr>
+</p:notes>
+</file>
+
+<file path=ppt/notesSlides/notesSlide4.xml><?xml version="1.0" encoding="utf-8"?>
+<p:notes xmlns:a="http://schemas.openxmlformats.org/drawingml/2006/main" xmlns:r="http://schemas.openxmlformats.org/officeDocument/2006/relationships" xmlns:p="http://schemas.openxmlformats.org/presentationml/2006/main">
+  <p:cSld>
+    <p:spTree>
+      <p:nvGrpSpPr>
+        <p:cNvPr id="1" name=""/>
+        <p:cNvGrpSpPr/>
+        <p:nvPr/>
+      </p:nvGrpSpPr>
+      <p:grpSpPr>
+        <a:xfrm>
+          <a:off x="0" y="0"/>
+          <a:ext cx="0" cy="0"/>
+          <a:chOff x="0" y="0"/>
+          <a:chExt cx="0" cy="0"/>
+        </a:xfrm>
+      </p:grpSpPr>
+      <p:sp>
+        <p:nvSpPr>
+          <p:cNvPr id="2" name="Slide Image Placeholder 1"/>
+          <p:cNvSpPr>
+            <a:spLocks noGrp="1" noRot="1" noChangeAspect="1"/>
+          </p:cNvSpPr>
+          <p:nvPr>
+            <p:ph type="sldImg"/>
+          </p:nvPr>
+        </p:nvSpPr>
+        <p:spPr/>
+      </p:sp>
+      <p:sp>
+        <p:nvSpPr>
+          <p:cNvPr id="3" name="Notes Placeholder 2"/>
+          <p:cNvSpPr>
+            <a:spLocks noGrp="1"/>
+          </p:cNvSpPr>
+          <p:nvPr>
+            <p:ph type="body" idx="1"/>
+          </p:nvPr>
+        </p:nvSpPr>
+        <p:spPr/>
+        <p:txBody>
+          <a:bodyPr/>
+          <a:lstStyle/>
+          <a:p>
+            <a:r>
+              <a:rPr lang="en-US" dirty="0"/>
+              <a:t>And the journey was not an easy one, with many forces battling to push back and forward our hero. To deal with the restraining force to build a realistic scenario, our hero came with his experience on regulated </a:t>
+            </a:r>
+            <a:r>
+              <a:rPr lang="en-US" dirty="0" err="1"/>
+              <a:t>envs</a:t>
+            </a:r>
+            <a:r>
+              <a:rPr lang="en-US" dirty="0"/>
+              <a:t> to balance it. And then our hero’s background on </a:t>
+            </a:r>
+            <a:r>
+              <a:rPr lang="en-US" dirty="0" err="1"/>
+              <a:t>devOps</a:t>
+            </a:r>
+            <a:r>
+              <a:rPr lang="en-US" dirty="0"/>
+              <a:t> to not come as infrastructure engineer but as a developer, got together with the timed boxed situation to create trouble, but our hero’s experience with different tech footprint, allied with the Jenkins features to orchestrate the pipeline and be the focal point took care of this tread. Finally, the design of different feedback cycles, backed up by early feedback principle finalized the battles, avoiding the temptation of over design and try to show off.  And a realistic, yet completed pipelines, raised giving light and prosperity to all.</a:t>
+            </a:r>
+          </a:p>
+          <a:p>
+            <a:endParaRPr lang="en-US" dirty="0"/>
+          </a:p>
+          <a:p>
+            <a:endParaRPr lang="en-US" dirty="0"/>
+          </a:p>
+          <a:p>
+            <a:endParaRPr lang="en-US" dirty="0"/>
+          </a:p>
+          <a:p>
+            <a:r>
+              <a:rPr lang="en-US" dirty="0"/>
               <a:t>Decision also to write the steps that I believe need to be there, not limiting for which I know how to do for sure.  The concern on the design of the steps was to give something realistic, more than just novelty or concerned about showing my skills. My focus was on real life</a:t>
             </a:r>
           </a:p>
@@ -706,7 +952,178 @@
 </p:notes>
 </file>
 
-<file path=ppt/notesSlides/notesSlide3.xml><?xml version="1.0" encoding="utf-8"?>
+<file path=ppt/notesSlides/notesSlide5.xml><?xml version="1.0" encoding="utf-8"?>
+<p:notes xmlns:a="http://schemas.openxmlformats.org/drawingml/2006/main" xmlns:r="http://schemas.openxmlformats.org/officeDocument/2006/relationships" xmlns:p="http://schemas.openxmlformats.org/presentationml/2006/main">
+  <p:cSld>
+    <p:spTree>
+      <p:nvGrpSpPr>
+        <p:cNvPr id="1" name=""/>
+        <p:cNvGrpSpPr/>
+        <p:nvPr/>
+      </p:nvGrpSpPr>
+      <p:grpSpPr>
+        <a:xfrm>
+          <a:off x="0" y="0"/>
+          <a:ext cx="0" cy="0"/>
+          <a:chOff x="0" y="0"/>
+          <a:chExt cx="0" cy="0"/>
+        </a:xfrm>
+      </p:grpSpPr>
+      <p:sp>
+        <p:nvSpPr>
+          <p:cNvPr id="2" name="Slide Image Placeholder 1"/>
+          <p:cNvSpPr>
+            <a:spLocks noGrp="1" noRot="1" noChangeAspect="1"/>
+          </p:cNvSpPr>
+          <p:nvPr>
+            <p:ph type="sldImg"/>
+          </p:nvPr>
+        </p:nvSpPr>
+        <p:spPr/>
+      </p:sp>
+      <p:sp>
+        <p:nvSpPr>
+          <p:cNvPr id="3" name="Notes Placeholder 2"/>
+          <p:cNvSpPr>
+            <a:spLocks noGrp="1"/>
+          </p:cNvSpPr>
+          <p:nvPr>
+            <p:ph type="body" idx="1"/>
+          </p:nvPr>
+        </p:nvSpPr>
+        <p:spPr/>
+        <p:txBody>
+          <a:bodyPr/>
+          <a:lstStyle/>
+          <a:p>
+            <a:r>
+              <a:rPr lang="en-US" dirty="0"/>
+              <a:t>And here is the final product.</a:t>
+            </a:r>
+          </a:p>
+        </p:txBody>
+      </p:sp>
+      <p:sp>
+        <p:nvSpPr>
+          <p:cNvPr id="4" name="Slide Number Placeholder 3"/>
+          <p:cNvSpPr>
+            <a:spLocks noGrp="1"/>
+          </p:cNvSpPr>
+          <p:nvPr>
+            <p:ph type="sldNum" sz="quarter" idx="5"/>
+          </p:nvPr>
+        </p:nvSpPr>
+        <p:spPr/>
+        <p:txBody>
+          <a:bodyPr/>
+          <a:lstStyle/>
+          <a:p>
+            <a:fld id="{CCB2A5B5-3D28-1E45-A9DA-87A118154664}" type="slidenum">
+              <a:rPr lang="en-US" smtClean="0"/>
+              <a:t>5</a:t>
+            </a:fld>
+            <a:endParaRPr lang="en-US"/>
+          </a:p>
+        </p:txBody>
+      </p:sp>
+    </p:spTree>
+    <p:extLst>
+      <p:ext uri="{BB962C8B-B14F-4D97-AF65-F5344CB8AC3E}">
+        <p14:creationId xmlns:p14="http://schemas.microsoft.com/office/powerpoint/2010/main" val="68376901"/>
+      </p:ext>
+    </p:extLst>
+  </p:cSld>
+  <p:clrMapOvr>
+    <a:masterClrMapping/>
+  </p:clrMapOvr>
+</p:notes>
+</file>
+
+<file path=ppt/notesSlides/notesSlide6.xml><?xml version="1.0" encoding="utf-8"?>
+<p:notes xmlns:a="http://schemas.openxmlformats.org/drawingml/2006/main" xmlns:r="http://schemas.openxmlformats.org/officeDocument/2006/relationships" xmlns:p="http://schemas.openxmlformats.org/presentationml/2006/main">
+  <p:cSld>
+    <p:spTree>
+      <p:nvGrpSpPr>
+        <p:cNvPr id="1" name=""/>
+        <p:cNvGrpSpPr/>
+        <p:nvPr/>
+      </p:nvGrpSpPr>
+      <p:grpSpPr>
+        <a:xfrm>
+          <a:off x="0" y="0"/>
+          <a:ext cx="0" cy="0"/>
+          <a:chOff x="0" y="0"/>
+          <a:chExt cx="0" cy="0"/>
+        </a:xfrm>
+      </p:grpSpPr>
+      <p:sp>
+        <p:nvSpPr>
+          <p:cNvPr id="2" name="Slide Image Placeholder 1"/>
+          <p:cNvSpPr>
+            <a:spLocks noGrp="1" noRot="1" noChangeAspect="1"/>
+          </p:cNvSpPr>
+          <p:nvPr>
+            <p:ph type="sldImg"/>
+          </p:nvPr>
+        </p:nvSpPr>
+        <p:spPr/>
+      </p:sp>
+      <p:sp>
+        <p:nvSpPr>
+          <p:cNvPr id="3" name="Notes Placeholder 2"/>
+          <p:cNvSpPr>
+            <a:spLocks noGrp="1"/>
+          </p:cNvSpPr>
+          <p:nvPr>
+            <p:ph type="body" idx="1"/>
+          </p:nvPr>
+        </p:nvSpPr>
+        <p:spPr/>
+        <p:txBody>
+          <a:bodyPr/>
+          <a:lstStyle/>
+          <a:p>
+            <a:endParaRPr lang="en-US" dirty="0"/>
+          </a:p>
+        </p:txBody>
+      </p:sp>
+      <p:sp>
+        <p:nvSpPr>
+          <p:cNvPr id="4" name="Slide Number Placeholder 3"/>
+          <p:cNvSpPr>
+            <a:spLocks noGrp="1"/>
+          </p:cNvSpPr>
+          <p:nvPr>
+            <p:ph type="sldNum" sz="quarter" idx="5"/>
+          </p:nvPr>
+        </p:nvSpPr>
+        <p:spPr/>
+        <p:txBody>
+          <a:bodyPr/>
+          <a:lstStyle/>
+          <a:p>
+            <a:fld id="{CCB2A5B5-3D28-1E45-A9DA-87A118154664}" type="slidenum">
+              <a:rPr lang="en-US" smtClean="0"/>
+              <a:t>6</a:t>
+            </a:fld>
+            <a:endParaRPr lang="en-US"/>
+          </a:p>
+        </p:txBody>
+      </p:sp>
+    </p:spTree>
+    <p:extLst>
+      <p:ext uri="{BB962C8B-B14F-4D97-AF65-F5344CB8AC3E}">
+        <p14:creationId xmlns:p14="http://schemas.microsoft.com/office/powerpoint/2010/main" val="997153395"/>
+      </p:ext>
+    </p:extLst>
+  </p:cSld>
+  <p:clrMapOvr>
+    <a:masterClrMapping/>
+  </p:clrMapOvr>
+</p:notes>
+</file>
+
+<file path=ppt/notesSlides/notesSlide7.xml><?xml version="1.0" encoding="utf-8"?>
 <p:notes xmlns:a="http://schemas.openxmlformats.org/drawingml/2006/main" xmlns:r="http://schemas.openxmlformats.org/officeDocument/2006/relationships" xmlns:p="http://schemas.openxmlformats.org/presentationml/2006/main">
   <p:cSld>
     <p:spTree>
@@ -4343,7 +4760,7 @@
             <p:nvPr/>
           </p:nvPicPr>
           <p:blipFill>
-            <a:blip r:embed="rId2">
+            <a:blip r:embed="rId3">
               <a:extLst>
                 <a:ext uri="{28A0092B-C50C-407E-A947-70E740481C1C}">
                   <a14:useLocalDpi xmlns:a14="http://schemas.microsoft.com/office/drawing/2010/main" val="0"/>
@@ -4607,7 +5024,7 @@
             <p:nvPr/>
           </p:nvPicPr>
           <p:blipFill>
-            <a:blip r:embed="rId2">
+            <a:blip r:embed="rId3">
               <a:extLst>
                 <a:ext uri="{28A0092B-C50C-407E-A947-70E740481C1C}">
                   <a14:useLocalDpi xmlns:a14="http://schemas.microsoft.com/office/drawing/2010/main" val="0"/>
@@ -4871,7 +5288,7 @@
             <p:nvPr/>
           </p:nvPicPr>
           <p:blipFill>
-            <a:blip r:embed="rId2">
+            <a:blip r:embed="rId3">
               <a:extLst>
                 <a:ext uri="{28A0092B-C50C-407E-A947-70E740481C1C}">
                   <a14:useLocalDpi xmlns:a14="http://schemas.microsoft.com/office/drawing/2010/main" val="0"/>
@@ -5135,7 +5552,7 @@
             <p:nvPr/>
           </p:nvPicPr>
           <p:blipFill>
-            <a:blip r:embed="rId2">
+            <a:blip r:embed="rId3">
               <a:extLst>
                 <a:ext uri="{28A0092B-C50C-407E-A947-70E740481C1C}">
                   <a14:useLocalDpi xmlns:a14="http://schemas.microsoft.com/office/drawing/2010/main" val="0"/>
@@ -5440,7 +5857,7 @@
           <p:nvPr/>
         </p:nvPicPr>
         <p:blipFill>
-          <a:blip r:embed="rId2">
+          <a:blip r:embed="rId3">
             <a:extLst>
               <a:ext uri="{28A0092B-C50C-407E-A947-70E740481C1C}">
                 <a14:useLocalDpi xmlns:a14="http://schemas.microsoft.com/office/drawing/2010/main" val="0"/>
@@ -5703,7 +6120,7 @@
             <p:nvPr/>
           </p:nvPicPr>
           <p:blipFill>
-            <a:blip r:embed="rId2">
+            <a:blip r:embed="rId3">
               <a:extLst>
                 <a:ext uri="{28A0092B-C50C-407E-A947-70E740481C1C}">
                   <a14:useLocalDpi xmlns:a14="http://schemas.microsoft.com/office/drawing/2010/main" val="0"/>
@@ -7584,559 +8001,538 @@
           </p:spPr>
         </p:pic>
       </p:grpSp>
-      <p:grpSp>
-        <p:nvGrpSpPr>
-          <p:cNvPr id="5" name="Group 4">
+      <p:sp>
+        <p:nvSpPr>
+          <p:cNvPr id="41" name="Rectangle 40">
             <a:extLst>
               <a:ext uri="{FF2B5EF4-FFF2-40B4-BE49-F238E27FC236}">
-                <a16:creationId xmlns:a16="http://schemas.microsoft.com/office/drawing/2014/main" id="{41D6FBEF-AB10-974D-B08D-829D90826FE0}"/>
+                <a16:creationId xmlns:a16="http://schemas.microsoft.com/office/drawing/2014/main" id="{B181404B-9F0D-2240-BA6D-EB04F91B4101}"/>
               </a:ext>
             </a:extLst>
           </p:cNvPr>
-          <p:cNvGrpSpPr/>
+          <p:cNvSpPr/>
           <p:nvPr/>
-        </p:nvGrpSpPr>
-        <p:grpSpPr>
+        </p:nvSpPr>
+        <p:spPr>
           <a:xfrm>
-            <a:off x="3649043" y="3839484"/>
-            <a:ext cx="7208412" cy="2049646"/>
-            <a:chOff x="3649043" y="4350470"/>
-            <a:chExt cx="7208412" cy="2049646"/>
+            <a:off x="3855623" y="4968265"/>
+            <a:ext cx="1824538" cy="369332"/>
           </a:xfrm>
-        </p:grpSpPr>
-        <p:sp>
-          <p:nvSpPr>
-            <p:cNvPr id="41" name="Rectangle 40">
-              <a:extLst>
-                <a:ext uri="{FF2B5EF4-FFF2-40B4-BE49-F238E27FC236}">
-                  <a16:creationId xmlns:a16="http://schemas.microsoft.com/office/drawing/2014/main" id="{B181404B-9F0D-2240-BA6D-EB04F91B4101}"/>
-                </a:ext>
-              </a:extLst>
-            </p:cNvPr>
-            <p:cNvSpPr/>
-            <p:nvPr/>
-          </p:nvSpPr>
-          <p:spPr>
-            <a:xfrm>
-              <a:off x="3649043" y="5459780"/>
-              <a:ext cx="1824538" cy="369332"/>
-            </a:xfrm>
-            <a:prstGeom prst="rect">
-              <a:avLst/>
-            </a:prstGeom>
-          </p:spPr>
-          <p:txBody>
-            <a:bodyPr wrap="none">
-              <a:spAutoFit/>
-            </a:bodyPr>
-            <a:lstStyle/>
-            <a:p>
-              <a:pPr algn="ctr"/>
-              <a:r>
-                <a:rPr lang="en-US" spc="-150" dirty="0">
-                  <a:solidFill>
-                    <a:schemeClr val="accent2">
-                      <a:lumMod val="75000"/>
-                    </a:schemeClr>
-                  </a:solidFill>
-                  <a:latin typeface="Century Gothic" panose="020B0502020202020204" pitchFamily="34" charset="0"/>
-                  <a:cs typeface="Arial" panose="020B0604020202020204" pitchFamily="34" charset="0"/>
-                </a:rPr>
-                <a:t>Technical Coach</a:t>
-              </a:r>
-            </a:p>
-          </p:txBody>
-        </p:sp>
-        <p:sp>
-          <p:nvSpPr>
-            <p:cNvPr id="42" name="Rectangle 41">
-              <a:extLst>
-                <a:ext uri="{FF2B5EF4-FFF2-40B4-BE49-F238E27FC236}">
-                  <a16:creationId xmlns:a16="http://schemas.microsoft.com/office/drawing/2014/main" id="{163C6200-4038-E248-9478-194FE5D768F5}"/>
-                </a:ext>
-              </a:extLst>
-            </p:cNvPr>
-            <p:cNvSpPr/>
-            <p:nvPr/>
-          </p:nvSpPr>
-          <p:spPr>
-            <a:xfrm>
-              <a:off x="5947285" y="5471011"/>
-              <a:ext cx="1186543" cy="369332"/>
-            </a:xfrm>
-            <a:prstGeom prst="rect">
-              <a:avLst/>
-            </a:prstGeom>
-          </p:spPr>
-          <p:txBody>
-            <a:bodyPr wrap="none">
-              <a:spAutoFit/>
-            </a:bodyPr>
-            <a:lstStyle/>
-            <a:p>
-              <a:pPr algn="ctr"/>
-              <a:r>
-                <a:rPr lang="en-US" spc="-150" dirty="0">
-                  <a:solidFill>
-                    <a:schemeClr val="accent2">
-                      <a:lumMod val="75000"/>
-                    </a:schemeClr>
-                  </a:solidFill>
-                  <a:latin typeface="Century Gothic" panose="020B0502020202020204" pitchFamily="34" charset="0"/>
-                  <a:cs typeface="Arial" panose="020B0604020202020204" pitchFamily="34" charset="0"/>
-                </a:rPr>
-                <a:t>Developer</a:t>
-              </a:r>
-            </a:p>
-          </p:txBody>
-        </p:sp>
-        <p:sp>
-          <p:nvSpPr>
-            <p:cNvPr id="43" name="Rectangle 42">
-              <a:extLst>
-                <a:ext uri="{FF2B5EF4-FFF2-40B4-BE49-F238E27FC236}">
-                  <a16:creationId xmlns:a16="http://schemas.microsoft.com/office/drawing/2014/main" id="{88F25E11-5A0E-C040-A81E-4B6ECCC81B31}"/>
-                </a:ext>
-              </a:extLst>
-            </p:cNvPr>
-            <p:cNvSpPr/>
-            <p:nvPr/>
-          </p:nvSpPr>
-          <p:spPr>
-            <a:xfrm>
-              <a:off x="7489228" y="5471011"/>
-              <a:ext cx="1548822" cy="369332"/>
-            </a:xfrm>
-            <a:prstGeom prst="rect">
-              <a:avLst/>
-            </a:prstGeom>
-          </p:spPr>
-          <p:txBody>
-            <a:bodyPr wrap="none">
-              <a:spAutoFit/>
-            </a:bodyPr>
-            <a:lstStyle/>
-            <a:p>
-              <a:pPr algn="ctr"/>
-              <a:r>
-                <a:rPr lang="en-US" spc="-150" dirty="0">
-                  <a:solidFill>
-                    <a:schemeClr val="accent2">
-                      <a:lumMod val="75000"/>
-                    </a:schemeClr>
-                  </a:solidFill>
-                  <a:latin typeface="Century Gothic" panose="020B0502020202020204" pitchFamily="34" charset="0"/>
-                  <a:cs typeface="Arial" panose="020B0604020202020204" pitchFamily="34" charset="0"/>
-                </a:rPr>
-                <a:t>Soccer coach</a:t>
-              </a:r>
-            </a:p>
-          </p:txBody>
-        </p:sp>
-        <p:sp>
-          <p:nvSpPr>
-            <p:cNvPr id="44" name="Rectangle 43">
-              <a:extLst>
-                <a:ext uri="{FF2B5EF4-FFF2-40B4-BE49-F238E27FC236}">
-                  <a16:creationId xmlns:a16="http://schemas.microsoft.com/office/drawing/2014/main" id="{2B8A6E84-09F8-1F40-9A25-E4E874BFC2FF}"/>
-                </a:ext>
-              </a:extLst>
-            </p:cNvPr>
-            <p:cNvSpPr/>
-            <p:nvPr/>
-          </p:nvSpPr>
-          <p:spPr>
-            <a:xfrm>
-              <a:off x="9443286" y="5471010"/>
-              <a:ext cx="1250663" cy="369332"/>
-            </a:xfrm>
-            <a:prstGeom prst="rect">
-              <a:avLst/>
-            </a:prstGeom>
-          </p:spPr>
-          <p:txBody>
-            <a:bodyPr wrap="none">
-              <a:spAutoFit/>
-            </a:bodyPr>
-            <a:lstStyle/>
-            <a:p>
-              <a:pPr algn="ctr"/>
-              <a:r>
-                <a:rPr lang="en-US" spc="-150" dirty="0">
-                  <a:solidFill>
-                    <a:schemeClr val="accent2">
-                      <a:lumMod val="75000"/>
-                    </a:schemeClr>
-                  </a:solidFill>
-                  <a:latin typeface="Century Gothic" panose="020B0502020202020204" pitchFamily="34" charset="0"/>
-                  <a:cs typeface="Arial" panose="020B0604020202020204" pitchFamily="34" charset="0"/>
-                </a:rPr>
-                <a:t>Adventurer</a:t>
-              </a:r>
-            </a:p>
-          </p:txBody>
-        </p:sp>
-        <p:sp>
-          <p:nvSpPr>
-            <p:cNvPr id="45" name="Rectangle 44">
-              <a:extLst>
-                <a:ext uri="{FF2B5EF4-FFF2-40B4-BE49-F238E27FC236}">
-                  <a16:creationId xmlns:a16="http://schemas.microsoft.com/office/drawing/2014/main" id="{AB6427FF-7A8F-E647-BE59-949C851238B0}"/>
-                </a:ext>
-              </a:extLst>
-            </p:cNvPr>
-            <p:cNvSpPr/>
-            <p:nvPr/>
-          </p:nvSpPr>
-          <p:spPr>
-            <a:xfrm>
-              <a:off x="3725988" y="5927220"/>
-              <a:ext cx="1670650" cy="461665"/>
-            </a:xfrm>
-            <a:prstGeom prst="rect">
-              <a:avLst/>
-            </a:prstGeom>
-          </p:spPr>
-          <p:txBody>
-            <a:bodyPr wrap="none">
-              <a:spAutoFit/>
-            </a:bodyPr>
-            <a:lstStyle/>
-            <a:p>
-              <a:pPr algn="ctr"/>
-              <a:r>
-                <a:rPr lang="en-US" sz="1200" dirty="0">
-                  <a:solidFill>
-                    <a:schemeClr val="bg1"/>
-                  </a:solidFill>
-                  <a:latin typeface="Century Gothic" panose="020B0502020202020204" pitchFamily="34" charset="0"/>
-                  <a:cs typeface="Arial" panose="020B0604020202020204" pitchFamily="34" charset="0"/>
-                </a:rPr>
-                <a:t>IT Services </a:t>
-              </a:r>
-            </a:p>
-            <a:p>
-              <a:pPr algn="ctr"/>
-              <a:r>
-                <a:rPr lang="en-US" sz="1200" dirty="0">
-                  <a:solidFill>
-                    <a:schemeClr val="bg1"/>
-                  </a:solidFill>
-                  <a:latin typeface="Century Gothic" panose="020B0502020202020204" pitchFamily="34" charset="0"/>
-                  <a:cs typeface="Arial" panose="020B0604020202020204" pitchFamily="34" charset="0"/>
-                </a:rPr>
-                <a:t>Principal Consultant</a:t>
-              </a:r>
-            </a:p>
-          </p:txBody>
-        </p:sp>
-        <p:sp>
-          <p:nvSpPr>
-            <p:cNvPr id="46" name="Rectangle 45">
-              <a:extLst>
-                <a:ext uri="{FF2B5EF4-FFF2-40B4-BE49-F238E27FC236}">
-                  <a16:creationId xmlns:a16="http://schemas.microsoft.com/office/drawing/2014/main" id="{36F6CB9E-632C-F24C-A607-DA386E5177B6}"/>
-                </a:ext>
-              </a:extLst>
-            </p:cNvPr>
-            <p:cNvSpPr/>
-            <p:nvPr/>
-          </p:nvSpPr>
-          <p:spPr>
-            <a:xfrm>
-              <a:off x="5934465" y="5938451"/>
-              <a:ext cx="1212190" cy="461665"/>
-            </a:xfrm>
-            <a:prstGeom prst="rect">
-              <a:avLst/>
-            </a:prstGeom>
-          </p:spPr>
-          <p:txBody>
-            <a:bodyPr wrap="none">
-              <a:spAutoFit/>
-            </a:bodyPr>
-            <a:lstStyle/>
-            <a:p>
-              <a:pPr algn="ctr"/>
-              <a:r>
-                <a:rPr lang="en-US" sz="1200" dirty="0">
-                  <a:solidFill>
-                    <a:schemeClr val="bg1"/>
-                  </a:solidFill>
-                  <a:latin typeface="Century Gothic" panose="020B0502020202020204" pitchFamily="34" charset="0"/>
-                  <a:cs typeface="Arial" panose="020B0604020202020204" pitchFamily="34" charset="0"/>
-                </a:rPr>
-                <a:t>20+ years </a:t>
-              </a:r>
-            </a:p>
-            <a:p>
-              <a:pPr algn="ctr"/>
-              <a:r>
-                <a:rPr lang="en-US" sz="1200" dirty="0">
-                  <a:solidFill>
-                    <a:schemeClr val="bg1"/>
-                  </a:solidFill>
-                  <a:latin typeface="Century Gothic" panose="020B0502020202020204" pitchFamily="34" charset="0"/>
-                  <a:cs typeface="Arial" panose="020B0604020202020204" pitchFamily="34" charset="0"/>
-                </a:rPr>
-                <a:t>In the industry</a:t>
-              </a:r>
-            </a:p>
-          </p:txBody>
-        </p:sp>
-        <p:sp>
-          <p:nvSpPr>
-            <p:cNvPr id="47" name="Rectangle 46">
-              <a:extLst>
-                <a:ext uri="{FF2B5EF4-FFF2-40B4-BE49-F238E27FC236}">
-                  <a16:creationId xmlns:a16="http://schemas.microsoft.com/office/drawing/2014/main" id="{31D04DCA-71DD-3E4D-B6DF-1A96C38CAE71}"/>
-                </a:ext>
-              </a:extLst>
-            </p:cNvPr>
-            <p:cNvSpPr/>
-            <p:nvPr/>
-          </p:nvSpPr>
-          <p:spPr>
-            <a:xfrm>
-              <a:off x="7564569" y="5938451"/>
-              <a:ext cx="1398139" cy="461665"/>
-            </a:xfrm>
-            <a:prstGeom prst="rect">
-              <a:avLst/>
-            </a:prstGeom>
-          </p:spPr>
-          <p:txBody>
-            <a:bodyPr wrap="none">
-              <a:spAutoFit/>
-            </a:bodyPr>
-            <a:lstStyle/>
-            <a:p>
-              <a:pPr algn="ctr"/>
-              <a:r>
-                <a:rPr lang="en-US" sz="1200" dirty="0">
-                  <a:solidFill>
-                    <a:schemeClr val="bg1"/>
-                  </a:solidFill>
-                  <a:latin typeface="Century Gothic" panose="020B0502020202020204" pitchFamily="34" charset="0"/>
-                  <a:cs typeface="Arial" panose="020B0604020202020204" pitchFamily="34" charset="0"/>
-                </a:rPr>
-                <a:t>Licensed for kids</a:t>
-              </a:r>
-            </a:p>
-            <a:p>
-              <a:pPr algn="ctr"/>
-              <a:r>
-                <a:rPr lang="en-US" sz="1200" dirty="0">
-                  <a:solidFill>
-                    <a:schemeClr val="bg1"/>
-                  </a:solidFill>
-                  <a:latin typeface="Century Gothic" panose="020B0502020202020204" pitchFamily="34" charset="0"/>
-                  <a:cs typeface="Arial" panose="020B0604020202020204" pitchFamily="34" charset="0"/>
-                </a:rPr>
-                <a:t>U10 - U16</a:t>
-              </a:r>
-            </a:p>
-          </p:txBody>
-        </p:sp>
-        <p:sp>
-          <p:nvSpPr>
-            <p:cNvPr id="48" name="Rectangle 47">
-              <a:extLst>
-                <a:ext uri="{FF2B5EF4-FFF2-40B4-BE49-F238E27FC236}">
-                  <a16:creationId xmlns:a16="http://schemas.microsoft.com/office/drawing/2014/main" id="{E340C4B3-8D19-3B40-8B94-72CE94A3E338}"/>
-                </a:ext>
-              </a:extLst>
-            </p:cNvPr>
-            <p:cNvSpPr/>
-            <p:nvPr/>
-          </p:nvSpPr>
-          <p:spPr>
-            <a:xfrm>
-              <a:off x="9425653" y="5885336"/>
-              <a:ext cx="1431802" cy="461665"/>
-            </a:xfrm>
-            <a:prstGeom prst="rect">
-              <a:avLst/>
-            </a:prstGeom>
-          </p:spPr>
-          <p:txBody>
-            <a:bodyPr wrap="none">
-              <a:spAutoFit/>
-            </a:bodyPr>
-            <a:lstStyle/>
-            <a:p>
-              <a:pPr algn="ctr"/>
-              <a:r>
-                <a:rPr lang="en-US" sz="1200" dirty="0">
-                  <a:solidFill>
-                    <a:schemeClr val="bg1"/>
-                  </a:solidFill>
-                  <a:latin typeface="Century Gothic" panose="020B0502020202020204" pitchFamily="34" charset="0"/>
-                  <a:cs typeface="Arial" panose="020B0604020202020204" pitchFamily="34" charset="0"/>
-                </a:rPr>
-                <a:t>Meyers Briggs </a:t>
-              </a:r>
-            </a:p>
-            <a:p>
-              <a:pPr algn="ctr"/>
-              <a:r>
-                <a:rPr lang="en-US" sz="1200" dirty="0">
-                  <a:solidFill>
-                    <a:schemeClr val="bg1"/>
-                  </a:solidFill>
-                  <a:latin typeface="Century Gothic" panose="020B0502020202020204" pitchFamily="34" charset="0"/>
-                  <a:cs typeface="Arial" panose="020B0604020202020204" pitchFamily="34" charset="0"/>
-                </a:rPr>
-                <a:t>abbreviated test</a:t>
-              </a:r>
-            </a:p>
-          </p:txBody>
-        </p:sp>
-        <p:pic>
-          <p:nvPicPr>
-            <p:cNvPr id="49" name="Picture 48">
-              <a:extLst>
-                <a:ext uri="{FF2B5EF4-FFF2-40B4-BE49-F238E27FC236}">
-                  <a16:creationId xmlns:a16="http://schemas.microsoft.com/office/drawing/2014/main" id="{C32B02ED-B87D-1B4E-BB8A-FE62465646B7}"/>
-                </a:ext>
-              </a:extLst>
-            </p:cNvPr>
-            <p:cNvPicPr>
-              <a:picLocks noChangeAspect="1"/>
-            </p:cNvPicPr>
-            <p:nvPr/>
-          </p:nvPicPr>
-          <p:blipFill>
-            <a:blip r:embed="rId5">
-              <a:extLst>
-                <a:ext uri="{28A0092B-C50C-407E-A947-70E740481C1C}">
-                  <a14:useLocalDpi xmlns:a14="http://schemas.microsoft.com/office/drawing/2010/main" val="0"/>
-                </a:ext>
-              </a:extLst>
-            </a:blip>
-            <a:stretch>
-              <a:fillRect/>
-            </a:stretch>
-          </p:blipFill>
-          <p:spPr>
-            <a:xfrm>
-              <a:off x="4089395" y="4756374"/>
-              <a:ext cx="1046068" cy="560638"/>
-            </a:xfrm>
-            <a:prstGeom prst="rect">
-              <a:avLst/>
-            </a:prstGeom>
-          </p:spPr>
-        </p:pic>
-        <p:pic>
-          <p:nvPicPr>
-            <p:cNvPr id="87" name="Picture 86">
-              <a:extLst>
-                <a:ext uri="{FF2B5EF4-FFF2-40B4-BE49-F238E27FC236}">
-                  <a16:creationId xmlns:a16="http://schemas.microsoft.com/office/drawing/2014/main" id="{98B0866E-3810-9E44-B2A0-336C002D2D3E}"/>
-                </a:ext>
-              </a:extLst>
-            </p:cNvPr>
-            <p:cNvPicPr>
-              <a:picLocks noChangeAspect="1"/>
-            </p:cNvPicPr>
-            <p:nvPr/>
-          </p:nvPicPr>
-          <p:blipFill>
-            <a:blip r:embed="rId6">
-              <a:extLst>
-                <a:ext uri="{28A0092B-C50C-407E-A947-70E740481C1C}">
-                  <a14:useLocalDpi xmlns:a14="http://schemas.microsoft.com/office/drawing/2010/main" val="0"/>
-                </a:ext>
-              </a:extLst>
-            </a:blip>
-            <a:stretch>
-              <a:fillRect/>
-            </a:stretch>
-          </p:blipFill>
-          <p:spPr>
-            <a:xfrm>
-              <a:off x="6331624" y="4560254"/>
-              <a:ext cx="545233" cy="805996"/>
-            </a:xfrm>
-            <a:prstGeom prst="rect">
-              <a:avLst/>
-            </a:prstGeom>
-          </p:spPr>
-        </p:pic>
-        <p:pic>
-          <p:nvPicPr>
-            <p:cNvPr id="88" name="Picture 87">
-              <a:extLst>
-                <a:ext uri="{FF2B5EF4-FFF2-40B4-BE49-F238E27FC236}">
-                  <a16:creationId xmlns:a16="http://schemas.microsoft.com/office/drawing/2014/main" id="{17CFBDF5-7CBD-AF4F-8232-635191640085}"/>
-                </a:ext>
-              </a:extLst>
-            </p:cNvPr>
-            <p:cNvPicPr>
-              <a:picLocks noChangeAspect="1"/>
-            </p:cNvPicPr>
-            <p:nvPr/>
-          </p:nvPicPr>
-          <p:blipFill>
-            <a:blip r:embed="rId7">
-              <a:extLst>
-                <a:ext uri="{28A0092B-C50C-407E-A947-70E740481C1C}">
-                  <a14:useLocalDpi xmlns:a14="http://schemas.microsoft.com/office/drawing/2010/main" val="0"/>
-                </a:ext>
-              </a:extLst>
-            </a:blip>
-            <a:stretch>
-              <a:fillRect/>
-            </a:stretch>
-          </p:blipFill>
-          <p:spPr>
-            <a:xfrm>
-              <a:off x="7769364" y="4560254"/>
-              <a:ext cx="1222280" cy="805996"/>
-            </a:xfrm>
-            <a:prstGeom prst="rect">
-              <a:avLst/>
-            </a:prstGeom>
-          </p:spPr>
-        </p:pic>
-        <p:pic>
-          <p:nvPicPr>
-            <p:cNvPr id="89" name="Picture 88">
-              <a:extLst>
-                <a:ext uri="{FF2B5EF4-FFF2-40B4-BE49-F238E27FC236}">
-                  <a16:creationId xmlns:a16="http://schemas.microsoft.com/office/drawing/2014/main" id="{F32A9B67-4C8C-5347-BB3B-D89F28AF210C}"/>
-                </a:ext>
-              </a:extLst>
-            </p:cNvPr>
-            <p:cNvPicPr>
-              <a:picLocks noChangeAspect="1"/>
-            </p:cNvPicPr>
-            <p:nvPr/>
-          </p:nvPicPr>
-          <p:blipFill>
-            <a:blip r:embed="rId8">
-              <a:extLst>
-                <a:ext uri="{28A0092B-C50C-407E-A947-70E740481C1C}">
-                  <a14:useLocalDpi xmlns:a14="http://schemas.microsoft.com/office/drawing/2010/main" val="0"/>
-                </a:ext>
-              </a:extLst>
-            </a:blip>
-            <a:stretch>
-              <a:fillRect/>
-            </a:stretch>
-          </p:blipFill>
-          <p:spPr>
-            <a:xfrm>
-              <a:off x="9653414" y="4350470"/>
-              <a:ext cx="958166" cy="958166"/>
-            </a:xfrm>
-            <a:prstGeom prst="rect">
-              <a:avLst/>
-            </a:prstGeom>
-          </p:spPr>
-        </p:pic>
-      </p:grpSp>
+          <a:prstGeom prst="rect">
+            <a:avLst/>
+          </a:prstGeom>
+        </p:spPr>
+        <p:txBody>
+          <a:bodyPr wrap="none">
+            <a:spAutoFit/>
+          </a:bodyPr>
+          <a:lstStyle/>
+          <a:p>
+            <a:pPr algn="ctr"/>
+            <a:r>
+              <a:rPr lang="en-US" spc="-150" dirty="0">
+                <a:solidFill>
+                  <a:schemeClr val="accent2">
+                    <a:lumMod val="75000"/>
+                  </a:schemeClr>
+                </a:solidFill>
+                <a:latin typeface="Century Gothic" panose="020B0502020202020204" pitchFamily="34" charset="0"/>
+                <a:cs typeface="Arial" panose="020B0604020202020204" pitchFamily="34" charset="0"/>
+              </a:rPr>
+              <a:t>Technical Coach</a:t>
+            </a:r>
+          </a:p>
+        </p:txBody>
+      </p:sp>
+      <p:sp>
+        <p:nvSpPr>
+          <p:cNvPr id="42" name="Rectangle 41">
+            <a:extLst>
+              <a:ext uri="{FF2B5EF4-FFF2-40B4-BE49-F238E27FC236}">
+                <a16:creationId xmlns:a16="http://schemas.microsoft.com/office/drawing/2014/main" id="{163C6200-4038-E248-9478-194FE5D768F5}"/>
+              </a:ext>
+            </a:extLst>
+          </p:cNvPr>
+          <p:cNvSpPr/>
+          <p:nvPr/>
+        </p:nvSpPr>
+        <p:spPr>
+          <a:xfrm>
+            <a:off x="5737176" y="4979496"/>
+            <a:ext cx="1186543" cy="369332"/>
+          </a:xfrm>
+          <a:prstGeom prst="rect">
+            <a:avLst/>
+          </a:prstGeom>
+        </p:spPr>
+        <p:txBody>
+          <a:bodyPr wrap="none">
+            <a:spAutoFit/>
+          </a:bodyPr>
+          <a:lstStyle/>
+          <a:p>
+            <a:pPr algn="ctr"/>
+            <a:r>
+              <a:rPr lang="en-US" spc="-150" dirty="0">
+                <a:solidFill>
+                  <a:schemeClr val="accent2">
+                    <a:lumMod val="75000"/>
+                  </a:schemeClr>
+                </a:solidFill>
+                <a:latin typeface="Century Gothic" panose="020B0502020202020204" pitchFamily="34" charset="0"/>
+                <a:cs typeface="Arial" panose="020B0604020202020204" pitchFamily="34" charset="0"/>
+              </a:rPr>
+              <a:t>Developer</a:t>
+            </a:r>
+          </a:p>
+        </p:txBody>
+      </p:sp>
+      <p:sp>
+        <p:nvSpPr>
+          <p:cNvPr id="43" name="Rectangle 42">
+            <a:extLst>
+              <a:ext uri="{FF2B5EF4-FFF2-40B4-BE49-F238E27FC236}">
+                <a16:creationId xmlns:a16="http://schemas.microsoft.com/office/drawing/2014/main" id="{88F25E11-5A0E-C040-A81E-4B6ECCC81B31}"/>
+              </a:ext>
+            </a:extLst>
+          </p:cNvPr>
+          <p:cNvSpPr/>
+          <p:nvPr/>
+        </p:nvSpPr>
+        <p:spPr>
+          <a:xfrm>
+            <a:off x="7036048" y="4979496"/>
+            <a:ext cx="1548822" cy="369332"/>
+          </a:xfrm>
+          <a:prstGeom prst="rect">
+            <a:avLst/>
+          </a:prstGeom>
+        </p:spPr>
+        <p:txBody>
+          <a:bodyPr wrap="none">
+            <a:spAutoFit/>
+          </a:bodyPr>
+          <a:lstStyle/>
+          <a:p>
+            <a:pPr algn="ctr"/>
+            <a:r>
+              <a:rPr lang="en-US" spc="-150" dirty="0">
+                <a:solidFill>
+                  <a:schemeClr val="accent2">
+                    <a:lumMod val="75000"/>
+                  </a:schemeClr>
+                </a:solidFill>
+                <a:latin typeface="Century Gothic" panose="020B0502020202020204" pitchFamily="34" charset="0"/>
+                <a:cs typeface="Arial" panose="020B0604020202020204" pitchFamily="34" charset="0"/>
+              </a:rPr>
+              <a:t>Soccer coach</a:t>
+            </a:r>
+          </a:p>
+        </p:txBody>
+      </p:sp>
+      <p:sp>
+        <p:nvSpPr>
+          <p:cNvPr id="44" name="Rectangle 43">
+            <a:extLst>
+              <a:ext uri="{FF2B5EF4-FFF2-40B4-BE49-F238E27FC236}">
+                <a16:creationId xmlns:a16="http://schemas.microsoft.com/office/drawing/2014/main" id="{2B8A6E84-09F8-1F40-9A25-E4E874BFC2FF}"/>
+              </a:ext>
+            </a:extLst>
+          </p:cNvPr>
+          <p:cNvSpPr/>
+          <p:nvPr/>
+        </p:nvSpPr>
+        <p:spPr>
+          <a:xfrm>
+            <a:off x="8770187" y="4979495"/>
+            <a:ext cx="1250663" cy="369332"/>
+          </a:xfrm>
+          <a:prstGeom prst="rect">
+            <a:avLst/>
+          </a:prstGeom>
+        </p:spPr>
+        <p:txBody>
+          <a:bodyPr wrap="none">
+            <a:spAutoFit/>
+          </a:bodyPr>
+          <a:lstStyle/>
+          <a:p>
+            <a:pPr algn="ctr"/>
+            <a:r>
+              <a:rPr lang="en-US" spc="-150" dirty="0">
+                <a:solidFill>
+                  <a:schemeClr val="accent2">
+                    <a:lumMod val="75000"/>
+                  </a:schemeClr>
+                </a:solidFill>
+                <a:latin typeface="Century Gothic" panose="020B0502020202020204" pitchFamily="34" charset="0"/>
+                <a:cs typeface="Arial" panose="020B0604020202020204" pitchFamily="34" charset="0"/>
+              </a:rPr>
+              <a:t>Adventurer</a:t>
+            </a:r>
+          </a:p>
+        </p:txBody>
+      </p:sp>
+      <p:sp>
+        <p:nvSpPr>
+          <p:cNvPr id="45" name="Rectangle 44">
+            <a:extLst>
+              <a:ext uri="{FF2B5EF4-FFF2-40B4-BE49-F238E27FC236}">
+                <a16:creationId xmlns:a16="http://schemas.microsoft.com/office/drawing/2014/main" id="{AB6427FF-7A8F-E647-BE59-949C851238B0}"/>
+              </a:ext>
+            </a:extLst>
+          </p:cNvPr>
+          <p:cNvSpPr/>
+          <p:nvPr/>
+        </p:nvSpPr>
+        <p:spPr>
+          <a:xfrm>
+            <a:off x="3932568" y="5435705"/>
+            <a:ext cx="1670650" cy="461665"/>
+          </a:xfrm>
+          <a:prstGeom prst="rect">
+            <a:avLst/>
+          </a:prstGeom>
+        </p:spPr>
+        <p:txBody>
+          <a:bodyPr wrap="none">
+            <a:spAutoFit/>
+          </a:bodyPr>
+          <a:lstStyle/>
+          <a:p>
+            <a:pPr algn="ctr"/>
+            <a:r>
+              <a:rPr lang="en-US" sz="1200" dirty="0">
+                <a:solidFill>
+                  <a:schemeClr val="bg1"/>
+                </a:solidFill>
+                <a:latin typeface="Century Gothic" panose="020B0502020202020204" pitchFamily="34" charset="0"/>
+                <a:cs typeface="Arial" panose="020B0604020202020204" pitchFamily="34" charset="0"/>
+              </a:rPr>
+              <a:t>IT Services </a:t>
+            </a:r>
+          </a:p>
+          <a:p>
+            <a:pPr algn="ctr"/>
+            <a:r>
+              <a:rPr lang="en-US" sz="1200" dirty="0">
+                <a:solidFill>
+                  <a:schemeClr val="bg1"/>
+                </a:solidFill>
+                <a:latin typeface="Century Gothic" panose="020B0502020202020204" pitchFamily="34" charset="0"/>
+                <a:cs typeface="Arial" panose="020B0604020202020204" pitchFamily="34" charset="0"/>
+              </a:rPr>
+              <a:t>Principal Consultant</a:t>
+            </a:r>
+          </a:p>
+        </p:txBody>
+      </p:sp>
+      <p:sp>
+        <p:nvSpPr>
+          <p:cNvPr id="46" name="Rectangle 45">
+            <a:extLst>
+              <a:ext uri="{FF2B5EF4-FFF2-40B4-BE49-F238E27FC236}">
+                <a16:creationId xmlns:a16="http://schemas.microsoft.com/office/drawing/2014/main" id="{36F6CB9E-632C-F24C-A607-DA386E5177B6}"/>
+              </a:ext>
+            </a:extLst>
+          </p:cNvPr>
+          <p:cNvSpPr/>
+          <p:nvPr/>
+        </p:nvSpPr>
+        <p:spPr>
+          <a:xfrm>
+            <a:off x="5724356" y="5446936"/>
+            <a:ext cx="1212190" cy="461665"/>
+          </a:xfrm>
+          <a:prstGeom prst="rect">
+            <a:avLst/>
+          </a:prstGeom>
+        </p:spPr>
+        <p:txBody>
+          <a:bodyPr wrap="none">
+            <a:spAutoFit/>
+          </a:bodyPr>
+          <a:lstStyle/>
+          <a:p>
+            <a:pPr algn="ctr"/>
+            <a:r>
+              <a:rPr lang="en-US" sz="1200" dirty="0">
+                <a:solidFill>
+                  <a:schemeClr val="bg1"/>
+                </a:solidFill>
+                <a:latin typeface="Century Gothic" panose="020B0502020202020204" pitchFamily="34" charset="0"/>
+                <a:cs typeface="Arial" panose="020B0604020202020204" pitchFamily="34" charset="0"/>
+              </a:rPr>
+              <a:t>20+ years </a:t>
+            </a:r>
+          </a:p>
+          <a:p>
+            <a:pPr algn="ctr"/>
+            <a:r>
+              <a:rPr lang="en-US" sz="1200" dirty="0">
+                <a:solidFill>
+                  <a:schemeClr val="bg1"/>
+                </a:solidFill>
+                <a:latin typeface="Century Gothic" panose="020B0502020202020204" pitchFamily="34" charset="0"/>
+                <a:cs typeface="Arial" panose="020B0604020202020204" pitchFamily="34" charset="0"/>
+              </a:rPr>
+              <a:t>In the industry</a:t>
+            </a:r>
+          </a:p>
+        </p:txBody>
+      </p:sp>
+      <p:sp>
+        <p:nvSpPr>
+          <p:cNvPr id="47" name="Rectangle 46">
+            <a:extLst>
+              <a:ext uri="{FF2B5EF4-FFF2-40B4-BE49-F238E27FC236}">
+                <a16:creationId xmlns:a16="http://schemas.microsoft.com/office/drawing/2014/main" id="{31D04DCA-71DD-3E4D-B6DF-1A96C38CAE71}"/>
+              </a:ext>
+            </a:extLst>
+          </p:cNvPr>
+          <p:cNvSpPr/>
+          <p:nvPr/>
+        </p:nvSpPr>
+        <p:spPr>
+          <a:xfrm>
+            <a:off x="7111389" y="5446936"/>
+            <a:ext cx="1398139" cy="461665"/>
+          </a:xfrm>
+          <a:prstGeom prst="rect">
+            <a:avLst/>
+          </a:prstGeom>
+        </p:spPr>
+        <p:txBody>
+          <a:bodyPr wrap="none">
+            <a:spAutoFit/>
+          </a:bodyPr>
+          <a:lstStyle/>
+          <a:p>
+            <a:pPr algn="ctr"/>
+            <a:r>
+              <a:rPr lang="en-US" sz="1200" dirty="0">
+                <a:solidFill>
+                  <a:schemeClr val="bg1"/>
+                </a:solidFill>
+                <a:latin typeface="Century Gothic" panose="020B0502020202020204" pitchFamily="34" charset="0"/>
+                <a:cs typeface="Arial" panose="020B0604020202020204" pitchFamily="34" charset="0"/>
+              </a:rPr>
+              <a:t>Licensed for kids</a:t>
+            </a:r>
+          </a:p>
+          <a:p>
+            <a:pPr algn="ctr"/>
+            <a:r>
+              <a:rPr lang="en-US" sz="1200" dirty="0">
+                <a:solidFill>
+                  <a:schemeClr val="bg1"/>
+                </a:solidFill>
+                <a:latin typeface="Century Gothic" panose="020B0502020202020204" pitchFamily="34" charset="0"/>
+                <a:cs typeface="Arial" panose="020B0604020202020204" pitchFamily="34" charset="0"/>
+              </a:rPr>
+              <a:t>U10 - U16</a:t>
+            </a:r>
+          </a:p>
+        </p:txBody>
+      </p:sp>
+      <p:sp>
+        <p:nvSpPr>
+          <p:cNvPr id="48" name="Rectangle 47">
+            <a:extLst>
+              <a:ext uri="{FF2B5EF4-FFF2-40B4-BE49-F238E27FC236}">
+                <a16:creationId xmlns:a16="http://schemas.microsoft.com/office/drawing/2014/main" id="{E340C4B3-8D19-3B40-8B94-72CE94A3E338}"/>
+              </a:ext>
+            </a:extLst>
+          </p:cNvPr>
+          <p:cNvSpPr/>
+          <p:nvPr/>
+        </p:nvSpPr>
+        <p:spPr>
+          <a:xfrm>
+            <a:off x="8752554" y="5393821"/>
+            <a:ext cx="1431802" cy="461665"/>
+          </a:xfrm>
+          <a:prstGeom prst="rect">
+            <a:avLst/>
+          </a:prstGeom>
+        </p:spPr>
+        <p:txBody>
+          <a:bodyPr wrap="none">
+            <a:spAutoFit/>
+          </a:bodyPr>
+          <a:lstStyle/>
+          <a:p>
+            <a:pPr algn="ctr"/>
+            <a:r>
+              <a:rPr lang="en-US" sz="1200" dirty="0">
+                <a:solidFill>
+                  <a:schemeClr val="bg1"/>
+                </a:solidFill>
+                <a:latin typeface="Century Gothic" panose="020B0502020202020204" pitchFamily="34" charset="0"/>
+                <a:cs typeface="Arial" panose="020B0604020202020204" pitchFamily="34" charset="0"/>
+              </a:rPr>
+              <a:t>Meyers Briggs </a:t>
+            </a:r>
+          </a:p>
+          <a:p>
+            <a:pPr algn="ctr"/>
+            <a:r>
+              <a:rPr lang="en-US" sz="1200" dirty="0">
+                <a:solidFill>
+                  <a:schemeClr val="bg1"/>
+                </a:solidFill>
+                <a:latin typeface="Century Gothic" panose="020B0502020202020204" pitchFamily="34" charset="0"/>
+                <a:cs typeface="Arial" panose="020B0604020202020204" pitchFamily="34" charset="0"/>
+              </a:rPr>
+              <a:t>abbreviated test</a:t>
+            </a:r>
+          </a:p>
+        </p:txBody>
+      </p:sp>
+      <p:pic>
+        <p:nvPicPr>
+          <p:cNvPr id="49" name="Picture 48">
+            <a:extLst>
+              <a:ext uri="{FF2B5EF4-FFF2-40B4-BE49-F238E27FC236}">
+                <a16:creationId xmlns:a16="http://schemas.microsoft.com/office/drawing/2014/main" id="{C32B02ED-B87D-1B4E-BB8A-FE62465646B7}"/>
+              </a:ext>
+            </a:extLst>
+          </p:cNvPr>
+          <p:cNvPicPr>
+            <a:picLocks noChangeAspect="1"/>
+          </p:cNvPicPr>
+          <p:nvPr/>
+        </p:nvPicPr>
+        <p:blipFill>
+          <a:blip r:embed="rId5">
+            <a:extLst>
+              <a:ext uri="{28A0092B-C50C-407E-A947-70E740481C1C}">
+                <a14:useLocalDpi xmlns:a14="http://schemas.microsoft.com/office/drawing/2010/main" val="0"/>
+              </a:ext>
+            </a:extLst>
+          </a:blip>
+          <a:stretch>
+            <a:fillRect/>
+          </a:stretch>
+        </p:blipFill>
+        <p:spPr>
+          <a:xfrm>
+            <a:off x="4295975" y="4264859"/>
+            <a:ext cx="1046068" cy="560638"/>
+          </a:xfrm>
+          <a:prstGeom prst="rect">
+            <a:avLst/>
+          </a:prstGeom>
+        </p:spPr>
+      </p:pic>
+      <p:pic>
+        <p:nvPicPr>
+          <p:cNvPr id="87" name="Picture 86">
+            <a:extLst>
+              <a:ext uri="{FF2B5EF4-FFF2-40B4-BE49-F238E27FC236}">
+                <a16:creationId xmlns:a16="http://schemas.microsoft.com/office/drawing/2014/main" id="{98B0866E-3810-9E44-B2A0-336C002D2D3E}"/>
+              </a:ext>
+            </a:extLst>
+          </p:cNvPr>
+          <p:cNvPicPr>
+            <a:picLocks noChangeAspect="1"/>
+          </p:cNvPicPr>
+          <p:nvPr/>
+        </p:nvPicPr>
+        <p:blipFill>
+          <a:blip r:embed="rId6">
+            <a:extLst>
+              <a:ext uri="{28A0092B-C50C-407E-A947-70E740481C1C}">
+                <a14:useLocalDpi xmlns:a14="http://schemas.microsoft.com/office/drawing/2010/main" val="0"/>
+              </a:ext>
+            </a:extLst>
+          </a:blip>
+          <a:stretch>
+            <a:fillRect/>
+          </a:stretch>
+        </p:blipFill>
+        <p:spPr>
+          <a:xfrm>
+            <a:off x="6121515" y="4068739"/>
+            <a:ext cx="545233" cy="805996"/>
+          </a:xfrm>
+          <a:prstGeom prst="rect">
+            <a:avLst/>
+          </a:prstGeom>
+        </p:spPr>
+      </p:pic>
+      <p:pic>
+        <p:nvPicPr>
+          <p:cNvPr id="88" name="Picture 87">
+            <a:extLst>
+              <a:ext uri="{FF2B5EF4-FFF2-40B4-BE49-F238E27FC236}">
+                <a16:creationId xmlns:a16="http://schemas.microsoft.com/office/drawing/2014/main" id="{17CFBDF5-7CBD-AF4F-8232-635191640085}"/>
+              </a:ext>
+            </a:extLst>
+          </p:cNvPr>
+          <p:cNvPicPr>
+            <a:picLocks noChangeAspect="1"/>
+          </p:cNvPicPr>
+          <p:nvPr/>
+        </p:nvPicPr>
+        <p:blipFill>
+          <a:blip r:embed="rId7">
+            <a:extLst>
+              <a:ext uri="{28A0092B-C50C-407E-A947-70E740481C1C}">
+                <a14:useLocalDpi xmlns:a14="http://schemas.microsoft.com/office/drawing/2010/main" val="0"/>
+              </a:ext>
+            </a:extLst>
+          </a:blip>
+          <a:stretch>
+            <a:fillRect/>
+          </a:stretch>
+        </p:blipFill>
+        <p:spPr>
+          <a:xfrm>
+            <a:off x="7316184" y="4068739"/>
+            <a:ext cx="1222280" cy="805996"/>
+          </a:xfrm>
+          <a:prstGeom prst="rect">
+            <a:avLst/>
+          </a:prstGeom>
+        </p:spPr>
+      </p:pic>
+      <p:pic>
+        <p:nvPicPr>
+          <p:cNvPr id="89" name="Picture 88">
+            <a:extLst>
+              <a:ext uri="{FF2B5EF4-FFF2-40B4-BE49-F238E27FC236}">
+                <a16:creationId xmlns:a16="http://schemas.microsoft.com/office/drawing/2014/main" id="{F32A9B67-4C8C-5347-BB3B-D89F28AF210C}"/>
+              </a:ext>
+            </a:extLst>
+          </p:cNvPr>
+          <p:cNvPicPr>
+            <a:picLocks noChangeAspect="1"/>
+          </p:cNvPicPr>
+          <p:nvPr/>
+        </p:nvPicPr>
+        <p:blipFill>
+          <a:blip r:embed="rId8">
+            <a:extLst>
+              <a:ext uri="{28A0092B-C50C-407E-A947-70E740481C1C}">
+                <a14:useLocalDpi xmlns:a14="http://schemas.microsoft.com/office/drawing/2010/main" val="0"/>
+              </a:ext>
+            </a:extLst>
+          </a:blip>
+          <a:stretch>
+            <a:fillRect/>
+          </a:stretch>
+        </p:blipFill>
+        <p:spPr>
+          <a:xfrm>
+            <a:off x="8980315" y="3858955"/>
+            <a:ext cx="958166" cy="958166"/>
+          </a:xfrm>
+          <a:prstGeom prst="rect">
+            <a:avLst/>
+          </a:prstGeom>
+        </p:spPr>
+      </p:pic>
     </p:spTree>
     <p:extLst>
       <p:ext uri="{BB962C8B-B14F-4D97-AF65-F5344CB8AC3E}">
@@ -8263,30 +8659,21 @@
                                   </p:childTnLst>
                                 </p:cTn>
                               </p:par>
-                            </p:childTnLst>
-                          </p:cTn>
-                        </p:par>
-                        <p:par>
-                          <p:cTn id="10" fill="hold">
-                            <p:stCondLst>
-                              <p:cond delay="500"/>
-                            </p:stCondLst>
-                            <p:childTnLst>
                               <p:par>
-                                <p:cTn id="11" presetID="42" presetClass="entr" presetSubtype="0" fill="hold" nodeType="afterEffect">
+                                <p:cTn id="10" presetID="22" presetClass="entr" presetSubtype="4" fill="hold" nodeType="withEffect">
                                   <p:stCondLst>
                                     <p:cond delay="0"/>
                                   </p:stCondLst>
                                   <p:childTnLst>
                                     <p:set>
                                       <p:cBhvr>
-                                        <p:cTn id="12" dur="1" fill="hold">
+                                        <p:cTn id="11" dur="1" fill="hold">
                                           <p:stCondLst>
                                             <p:cond delay="0"/>
                                           </p:stCondLst>
                                         </p:cTn>
                                         <p:tgtEl>
-                                          <p:spTgt spid="5"/>
+                                          <p:spTgt spid="49"/>
                                         </p:tgtEl>
                                         <p:attrNameLst>
                                           <p:attrName>style.visibility</p:attrName>
@@ -8296,60 +8683,399 @@
                                         <p:strVal val="visible"/>
                                       </p:to>
                                     </p:set>
-                                    <p:animEffect transition="in" filter="fade">
+                                    <p:animEffect transition="in" filter="wipe(down)">
                                       <p:cBhvr>
-                                        <p:cTn id="13" dur="1000"/>
+                                        <p:cTn id="12" dur="500"/>
                                         <p:tgtEl>
-                                          <p:spTgt spid="5"/>
+                                          <p:spTgt spid="49"/>
                                         </p:tgtEl>
                                       </p:cBhvr>
                                     </p:animEffect>
-                                    <p:anim calcmode="lin" valueType="num">
+                                  </p:childTnLst>
+                                </p:cTn>
+                              </p:par>
+                              <p:par>
+                                <p:cTn id="13" presetID="22" presetClass="entr" presetSubtype="4" fill="hold" grpId="0" nodeType="withEffect">
+                                  <p:stCondLst>
+                                    <p:cond delay="0"/>
+                                  </p:stCondLst>
+                                  <p:childTnLst>
+                                    <p:set>
                                       <p:cBhvr>
-                                        <p:cTn id="14" dur="1000" fill="hold"/>
+                                        <p:cTn id="14" dur="1" fill="hold">
+                                          <p:stCondLst>
+                                            <p:cond delay="0"/>
+                                          </p:stCondLst>
+                                        </p:cTn>
                                         <p:tgtEl>
-                                          <p:spTgt spid="5"/>
+                                          <p:spTgt spid="41"/>
                                         </p:tgtEl>
                                         <p:attrNameLst>
-                                          <p:attrName>ppt_x</p:attrName>
+                                          <p:attrName>style.visibility</p:attrName>
                                         </p:attrNameLst>
                                       </p:cBhvr>
-                                      <p:tavLst>
-                                        <p:tav tm="0">
-                                          <p:val>
-                                            <p:strVal val="#ppt_x"/>
-                                          </p:val>
-                                        </p:tav>
-                                        <p:tav tm="100000">
-                                          <p:val>
-                                            <p:strVal val="#ppt_x"/>
-                                          </p:val>
-                                        </p:tav>
-                                      </p:tavLst>
-                                    </p:anim>
-                                    <p:anim calcmode="lin" valueType="num">
+                                      <p:to>
+                                        <p:strVal val="visible"/>
+                                      </p:to>
+                                    </p:set>
+                                    <p:animEffect transition="in" filter="wipe(down)">
                                       <p:cBhvr>
-                                        <p:cTn id="15" dur="1000" fill="hold"/>
+                                        <p:cTn id="15" dur="500"/>
                                         <p:tgtEl>
-                                          <p:spTgt spid="5"/>
+                                          <p:spTgt spid="41"/>
+                                        </p:tgtEl>
+                                      </p:cBhvr>
+                                    </p:animEffect>
+                                  </p:childTnLst>
+                                </p:cTn>
+                              </p:par>
+                              <p:par>
+                                <p:cTn id="16" presetID="22" presetClass="entr" presetSubtype="4" fill="hold" grpId="0" nodeType="withEffect">
+                                  <p:stCondLst>
+                                    <p:cond delay="0"/>
+                                  </p:stCondLst>
+                                  <p:childTnLst>
+                                    <p:set>
+                                      <p:cBhvr>
+                                        <p:cTn id="17" dur="1" fill="hold">
+                                          <p:stCondLst>
+                                            <p:cond delay="0"/>
+                                          </p:stCondLst>
+                                        </p:cTn>
+                                        <p:tgtEl>
+                                          <p:spTgt spid="45"/>
                                         </p:tgtEl>
                                         <p:attrNameLst>
-                                          <p:attrName>ppt_y</p:attrName>
+                                          <p:attrName>style.visibility</p:attrName>
                                         </p:attrNameLst>
                                       </p:cBhvr>
-                                      <p:tavLst>
-                                        <p:tav tm="0">
-                                          <p:val>
-                                            <p:strVal val="#ppt_y+.1"/>
-                                          </p:val>
-                                        </p:tav>
-                                        <p:tav tm="100000">
-                                          <p:val>
-                                            <p:strVal val="#ppt_y"/>
-                                          </p:val>
-                                        </p:tav>
-                                      </p:tavLst>
-                                    </p:anim>
+                                      <p:to>
+                                        <p:strVal val="visible"/>
+                                      </p:to>
+                                    </p:set>
+                                    <p:animEffect transition="in" filter="wipe(down)">
+                                      <p:cBhvr>
+                                        <p:cTn id="18" dur="500"/>
+                                        <p:tgtEl>
+                                          <p:spTgt spid="45"/>
+                                        </p:tgtEl>
+                                      </p:cBhvr>
+                                    </p:animEffect>
+                                  </p:childTnLst>
+                                </p:cTn>
+                              </p:par>
+                              <p:par>
+                                <p:cTn id="19" presetID="22" presetClass="entr" presetSubtype="4" fill="hold" nodeType="withEffect">
+                                  <p:stCondLst>
+                                    <p:cond delay="0"/>
+                                  </p:stCondLst>
+                                  <p:childTnLst>
+                                    <p:set>
+                                      <p:cBhvr>
+                                        <p:cTn id="20" dur="1" fill="hold">
+                                          <p:stCondLst>
+                                            <p:cond delay="0"/>
+                                          </p:stCondLst>
+                                        </p:cTn>
+                                        <p:tgtEl>
+                                          <p:spTgt spid="87"/>
+                                        </p:tgtEl>
+                                        <p:attrNameLst>
+                                          <p:attrName>style.visibility</p:attrName>
+                                        </p:attrNameLst>
+                                      </p:cBhvr>
+                                      <p:to>
+                                        <p:strVal val="visible"/>
+                                      </p:to>
+                                    </p:set>
+                                    <p:animEffect transition="in" filter="wipe(down)">
+                                      <p:cBhvr>
+                                        <p:cTn id="21" dur="500"/>
+                                        <p:tgtEl>
+                                          <p:spTgt spid="87"/>
+                                        </p:tgtEl>
+                                      </p:cBhvr>
+                                    </p:animEffect>
+                                  </p:childTnLst>
+                                </p:cTn>
+                              </p:par>
+                              <p:par>
+                                <p:cTn id="22" presetID="22" presetClass="entr" presetSubtype="4" fill="hold" grpId="0" nodeType="withEffect">
+                                  <p:stCondLst>
+                                    <p:cond delay="0"/>
+                                  </p:stCondLst>
+                                  <p:childTnLst>
+                                    <p:set>
+                                      <p:cBhvr>
+                                        <p:cTn id="23" dur="1" fill="hold">
+                                          <p:stCondLst>
+                                            <p:cond delay="0"/>
+                                          </p:stCondLst>
+                                        </p:cTn>
+                                        <p:tgtEl>
+                                          <p:spTgt spid="42"/>
+                                        </p:tgtEl>
+                                        <p:attrNameLst>
+                                          <p:attrName>style.visibility</p:attrName>
+                                        </p:attrNameLst>
+                                      </p:cBhvr>
+                                      <p:to>
+                                        <p:strVal val="visible"/>
+                                      </p:to>
+                                    </p:set>
+                                    <p:animEffect transition="in" filter="wipe(down)">
+                                      <p:cBhvr>
+                                        <p:cTn id="24" dur="500"/>
+                                        <p:tgtEl>
+                                          <p:spTgt spid="42"/>
+                                        </p:tgtEl>
+                                      </p:cBhvr>
+                                    </p:animEffect>
+                                  </p:childTnLst>
+                                </p:cTn>
+                              </p:par>
+                              <p:par>
+                                <p:cTn id="25" presetID="22" presetClass="entr" presetSubtype="4" fill="hold" grpId="0" nodeType="withEffect">
+                                  <p:stCondLst>
+                                    <p:cond delay="0"/>
+                                  </p:stCondLst>
+                                  <p:childTnLst>
+                                    <p:set>
+                                      <p:cBhvr>
+                                        <p:cTn id="26" dur="1" fill="hold">
+                                          <p:stCondLst>
+                                            <p:cond delay="0"/>
+                                          </p:stCondLst>
+                                        </p:cTn>
+                                        <p:tgtEl>
+                                          <p:spTgt spid="46"/>
+                                        </p:tgtEl>
+                                        <p:attrNameLst>
+                                          <p:attrName>style.visibility</p:attrName>
+                                        </p:attrNameLst>
+                                      </p:cBhvr>
+                                      <p:to>
+                                        <p:strVal val="visible"/>
+                                      </p:to>
+                                    </p:set>
+                                    <p:animEffect transition="in" filter="wipe(down)">
+                                      <p:cBhvr>
+                                        <p:cTn id="27" dur="500"/>
+                                        <p:tgtEl>
+                                          <p:spTgt spid="46"/>
+                                        </p:tgtEl>
+                                      </p:cBhvr>
+                                    </p:animEffect>
+                                  </p:childTnLst>
+                                </p:cTn>
+                              </p:par>
+                              <p:par>
+                                <p:cTn id="28" presetID="22" presetClass="entr" presetSubtype="4" fill="hold" nodeType="withEffect">
+                                  <p:stCondLst>
+                                    <p:cond delay="0"/>
+                                  </p:stCondLst>
+                                  <p:childTnLst>
+                                    <p:set>
+                                      <p:cBhvr>
+                                        <p:cTn id="29" dur="1" fill="hold">
+                                          <p:stCondLst>
+                                            <p:cond delay="0"/>
+                                          </p:stCondLst>
+                                        </p:cTn>
+                                        <p:tgtEl>
+                                          <p:spTgt spid="88"/>
+                                        </p:tgtEl>
+                                        <p:attrNameLst>
+                                          <p:attrName>style.visibility</p:attrName>
+                                        </p:attrNameLst>
+                                      </p:cBhvr>
+                                      <p:to>
+                                        <p:strVal val="visible"/>
+                                      </p:to>
+                                    </p:set>
+                                    <p:animEffect transition="in" filter="wipe(down)">
+                                      <p:cBhvr>
+                                        <p:cTn id="30" dur="500"/>
+                                        <p:tgtEl>
+                                          <p:spTgt spid="88"/>
+                                        </p:tgtEl>
+                                      </p:cBhvr>
+                                    </p:animEffect>
+                                  </p:childTnLst>
+                                </p:cTn>
+                              </p:par>
+                              <p:par>
+                                <p:cTn id="31" presetID="22" presetClass="entr" presetSubtype="4" fill="hold" grpId="0" nodeType="withEffect">
+                                  <p:stCondLst>
+                                    <p:cond delay="0"/>
+                                  </p:stCondLst>
+                                  <p:childTnLst>
+                                    <p:set>
+                                      <p:cBhvr>
+                                        <p:cTn id="32" dur="1" fill="hold">
+                                          <p:stCondLst>
+                                            <p:cond delay="0"/>
+                                          </p:stCondLst>
+                                        </p:cTn>
+                                        <p:tgtEl>
+                                          <p:spTgt spid="43"/>
+                                        </p:tgtEl>
+                                        <p:attrNameLst>
+                                          <p:attrName>style.visibility</p:attrName>
+                                        </p:attrNameLst>
+                                      </p:cBhvr>
+                                      <p:to>
+                                        <p:strVal val="visible"/>
+                                      </p:to>
+                                    </p:set>
+                                    <p:animEffect transition="in" filter="wipe(down)">
+                                      <p:cBhvr>
+                                        <p:cTn id="33" dur="500"/>
+                                        <p:tgtEl>
+                                          <p:spTgt spid="43"/>
+                                        </p:tgtEl>
+                                      </p:cBhvr>
+                                    </p:animEffect>
+                                  </p:childTnLst>
+                                </p:cTn>
+                              </p:par>
+                              <p:par>
+                                <p:cTn id="34" presetID="22" presetClass="entr" presetSubtype="4" fill="hold" grpId="0" nodeType="withEffect">
+                                  <p:stCondLst>
+                                    <p:cond delay="0"/>
+                                  </p:stCondLst>
+                                  <p:childTnLst>
+                                    <p:set>
+                                      <p:cBhvr>
+                                        <p:cTn id="35" dur="1" fill="hold">
+                                          <p:stCondLst>
+                                            <p:cond delay="0"/>
+                                          </p:stCondLst>
+                                        </p:cTn>
+                                        <p:tgtEl>
+                                          <p:spTgt spid="47"/>
+                                        </p:tgtEl>
+                                        <p:attrNameLst>
+                                          <p:attrName>style.visibility</p:attrName>
+                                        </p:attrNameLst>
+                                      </p:cBhvr>
+                                      <p:to>
+                                        <p:strVal val="visible"/>
+                                      </p:to>
+                                    </p:set>
+                                    <p:animEffect transition="in" filter="wipe(down)">
+                                      <p:cBhvr>
+                                        <p:cTn id="36" dur="500"/>
+                                        <p:tgtEl>
+                                          <p:spTgt spid="47"/>
+                                        </p:tgtEl>
+                                      </p:cBhvr>
+                                    </p:animEffect>
+                                  </p:childTnLst>
+                                </p:cTn>
+                              </p:par>
+                              <p:par>
+                                <p:cTn id="37" presetID="22" presetClass="entr" presetSubtype="4" fill="hold" nodeType="withEffect">
+                                  <p:stCondLst>
+                                    <p:cond delay="0"/>
+                                  </p:stCondLst>
+                                  <p:childTnLst>
+                                    <p:set>
+                                      <p:cBhvr>
+                                        <p:cTn id="38" dur="1" fill="hold">
+                                          <p:stCondLst>
+                                            <p:cond delay="0"/>
+                                          </p:stCondLst>
+                                        </p:cTn>
+                                        <p:tgtEl>
+                                          <p:spTgt spid="89"/>
+                                        </p:tgtEl>
+                                        <p:attrNameLst>
+                                          <p:attrName>style.visibility</p:attrName>
+                                        </p:attrNameLst>
+                                      </p:cBhvr>
+                                      <p:to>
+                                        <p:strVal val="visible"/>
+                                      </p:to>
+                                    </p:set>
+                                    <p:animEffect transition="in" filter="wipe(down)">
+                                      <p:cBhvr>
+                                        <p:cTn id="39" dur="500"/>
+                                        <p:tgtEl>
+                                          <p:spTgt spid="89"/>
+                                        </p:tgtEl>
+                                      </p:cBhvr>
+                                    </p:animEffect>
+                                  </p:childTnLst>
+                                </p:cTn>
+                              </p:par>
+                              <p:par>
+                                <p:cTn id="40" presetID="22" presetClass="entr" presetSubtype="4" fill="hold" grpId="0" nodeType="withEffect">
+                                  <p:stCondLst>
+                                    <p:cond delay="0"/>
+                                  </p:stCondLst>
+                                  <p:childTnLst>
+                                    <p:set>
+                                      <p:cBhvr>
+                                        <p:cTn id="41" dur="1" fill="hold">
+                                          <p:stCondLst>
+                                            <p:cond delay="0"/>
+                                          </p:stCondLst>
+                                        </p:cTn>
+                                        <p:tgtEl>
+                                          <p:spTgt spid="44"/>
+                                        </p:tgtEl>
+                                        <p:attrNameLst>
+                                          <p:attrName>style.visibility</p:attrName>
+                                        </p:attrNameLst>
+                                      </p:cBhvr>
+                                      <p:to>
+                                        <p:strVal val="visible"/>
+                                      </p:to>
+                                    </p:set>
+                                    <p:animEffect transition="in" filter="wipe(down)">
+                                      <p:cBhvr>
+                                        <p:cTn id="42" dur="500"/>
+                                        <p:tgtEl>
+                                          <p:spTgt spid="44"/>
+                                        </p:tgtEl>
+                                      </p:cBhvr>
+                                    </p:animEffect>
+                                  </p:childTnLst>
+                                </p:cTn>
+                              </p:par>
+                              <p:par>
+                                <p:cTn id="43" presetID="22" presetClass="entr" presetSubtype="4" fill="hold" grpId="0" nodeType="withEffect">
+                                  <p:stCondLst>
+                                    <p:cond delay="0"/>
+                                  </p:stCondLst>
+                                  <p:childTnLst>
+                                    <p:set>
+                                      <p:cBhvr>
+                                        <p:cTn id="44" dur="1" fill="hold">
+                                          <p:stCondLst>
+                                            <p:cond delay="0"/>
+                                          </p:stCondLst>
+                                        </p:cTn>
+                                        <p:tgtEl>
+                                          <p:spTgt spid="48"/>
+                                        </p:tgtEl>
+                                        <p:attrNameLst>
+                                          <p:attrName>style.visibility</p:attrName>
+                                        </p:attrNameLst>
+                                      </p:cBhvr>
+                                      <p:to>
+                                        <p:strVal val="visible"/>
+                                      </p:to>
+                                    </p:set>
+                                    <p:animEffect transition="in" filter="wipe(down)">
+                                      <p:cBhvr>
+                                        <p:cTn id="45" dur="500"/>
+                                        <p:tgtEl>
+                                          <p:spTgt spid="48"/>
+                                        </p:tgtEl>
+                                      </p:cBhvr>
+                                    </p:animEffect>
                                   </p:childTnLst>
                                 </p:cTn>
                               </p:par>
@@ -8380,6 +9106,16 @@
         </p:cTn>
       </p:par>
     </p:tnLst>
+    <p:bldLst>
+      <p:bldP spid="41" grpId="0"/>
+      <p:bldP spid="42" grpId="0"/>
+      <p:bldP spid="43" grpId="0"/>
+      <p:bldP spid="44" grpId="0"/>
+      <p:bldP spid="45" grpId="0"/>
+      <p:bldP spid="46" grpId="0"/>
+      <p:bldP spid="47" grpId="0"/>
+      <p:bldP spid="48" grpId="0"/>
+    </p:bldLst>
   </p:timing>
 </p:sld>
 </file>
@@ -8645,7 +9381,7 @@
             <p:nvPr/>
           </p:nvPicPr>
           <p:blipFill>
-            <a:blip r:embed="rId2">
+            <a:blip r:embed="rId3">
               <a:extLst>
                 <a:ext uri="{28A0092B-C50C-407E-A947-70E740481C1C}">
                   <a14:useLocalDpi xmlns:a14="http://schemas.microsoft.com/office/drawing/2010/main" val="0"/>
@@ -8911,7 +9647,7 @@
             <p:nvPr/>
           </p:nvPicPr>
           <p:blipFill>
-            <a:blip r:embed="rId2">
+            <a:blip r:embed="rId3">
               <a:extLst>
                 <a:ext uri="{28A0092B-C50C-407E-A947-70E740481C1C}">
                   <a14:useLocalDpi xmlns:a14="http://schemas.microsoft.com/office/drawing/2010/main" val="0"/>
@@ -9177,7 +9913,7 @@
             <p:nvPr/>
           </p:nvPicPr>
           <p:blipFill>
-            <a:blip r:embed="rId2">
+            <a:blip r:embed="rId3">
               <a:extLst>
                 <a:ext uri="{28A0092B-C50C-407E-A947-70E740481C1C}">
                   <a14:useLocalDpi xmlns:a14="http://schemas.microsoft.com/office/drawing/2010/main" val="0"/>
@@ -9443,7 +10179,7 @@
             <p:nvPr/>
           </p:nvPicPr>
           <p:blipFill>
-            <a:blip r:embed="rId2">
+            <a:blip r:embed="rId3">
               <a:extLst>
                 <a:ext uri="{28A0092B-C50C-407E-A947-70E740481C1C}">
                   <a14:useLocalDpi xmlns:a14="http://schemas.microsoft.com/office/drawing/2010/main" val="0"/>
@@ -9770,7 +10506,7 @@
             <p:nvPr/>
           </p:nvPicPr>
           <p:blipFill>
-            <a:blip r:embed="rId2">
+            <a:blip r:embed="rId3">
               <a:extLst>
                 <a:ext uri="{28A0092B-C50C-407E-A947-70E740481C1C}">
                   <a14:useLocalDpi xmlns:a14="http://schemas.microsoft.com/office/drawing/2010/main" val="0"/>
@@ -10036,7 +10772,7 @@
             <p:nvPr/>
           </p:nvPicPr>
           <p:blipFill>
-            <a:blip r:embed="rId2">
+            <a:blip r:embed="rId3">
               <a:extLst>
                 <a:ext uri="{28A0092B-C50C-407E-A947-70E740481C1C}">
                   <a14:useLocalDpi xmlns:a14="http://schemas.microsoft.com/office/drawing/2010/main" val="0"/>
@@ -18373,7 +19109,7 @@
         </p:nvGrpSpPr>
         <p:grpSpPr>
           <a:xfrm>
-            <a:off x="1184133" y="0"/>
+            <a:off x="1184133" y="83771"/>
             <a:ext cx="9961092" cy="6858000"/>
             <a:chOff x="491575" y="0"/>
             <a:chExt cx="9961092" cy="6858000"/>
@@ -22847,7 +23583,7 @@
             <p:nvPr/>
           </p:nvPicPr>
           <p:blipFill>
-            <a:blip r:embed="rId2">
+            <a:blip r:embed="rId3">
               <a:extLst>
                 <a:ext uri="{28A0092B-C50C-407E-A947-70E740481C1C}">
                   <a14:useLocalDpi xmlns:a14="http://schemas.microsoft.com/office/drawing/2010/main" val="0"/>
@@ -23113,7 +23849,7 @@
             <p:nvPr/>
           </p:nvPicPr>
           <p:blipFill>
-            <a:blip r:embed="rId2">
+            <a:blip r:embed="rId3">
               <a:extLst>
                 <a:ext uri="{28A0092B-C50C-407E-A947-70E740481C1C}">
                   <a14:useLocalDpi xmlns:a14="http://schemas.microsoft.com/office/drawing/2010/main" val="0"/>
@@ -23379,7 +24115,7 @@
             <p:nvPr/>
           </p:nvPicPr>
           <p:blipFill>
-            <a:blip r:embed="rId2">
+            <a:blip r:embed="rId3">
               <a:extLst>
                 <a:ext uri="{28A0092B-C50C-407E-A947-70E740481C1C}">
                   <a14:useLocalDpi xmlns:a14="http://schemas.microsoft.com/office/drawing/2010/main" val="0"/>
@@ -23706,7 +24442,7 @@
             <p:nvPr/>
           </p:nvPicPr>
           <p:blipFill>
-            <a:blip r:embed="rId2">
+            <a:blip r:embed="rId3">
               <a:extLst>
                 <a:ext uri="{28A0092B-C50C-407E-A947-70E740481C1C}">
                   <a14:useLocalDpi xmlns:a14="http://schemas.microsoft.com/office/drawing/2010/main" val="0"/>
@@ -23972,7 +24708,7 @@
             <p:nvPr/>
           </p:nvPicPr>
           <p:blipFill>
-            <a:blip r:embed="rId2">
+            <a:blip r:embed="rId3">
               <a:extLst>
                 <a:ext uri="{28A0092B-C50C-407E-A947-70E740481C1C}">
                   <a14:useLocalDpi xmlns:a14="http://schemas.microsoft.com/office/drawing/2010/main" val="0"/>
@@ -24238,7 +24974,7 @@
             <p:nvPr/>
           </p:nvPicPr>
           <p:blipFill>
-            <a:blip r:embed="rId2">
+            <a:blip r:embed="rId3">
               <a:extLst>
                 <a:ext uri="{28A0092B-C50C-407E-A947-70E740481C1C}">
                   <a14:useLocalDpi xmlns:a14="http://schemas.microsoft.com/office/drawing/2010/main" val="0"/>
@@ -24275,7 +25011,7 @@
           <p:nvPr/>
         </p:nvPicPr>
         <p:blipFill>
-          <a:blip r:embed="rId3">
+          <a:blip r:embed="rId4">
             <a:extLst>
               <a:ext uri="{28A0092B-C50C-407E-A947-70E740481C1C}">
                 <a14:useLocalDpi xmlns:a14="http://schemas.microsoft.com/office/drawing/2010/main" val="0"/>
@@ -24755,7 +25491,7 @@
             <p:nvPr/>
           </p:nvPicPr>
           <p:blipFill>
-            <a:blip r:embed="rId2">
+            <a:blip r:embed="rId3">
               <a:extLst>
                 <a:ext uri="{28A0092B-C50C-407E-A947-70E740481C1C}">
                   <a14:useLocalDpi xmlns:a14="http://schemas.microsoft.com/office/drawing/2010/main" val="0"/>
@@ -25021,7 +25757,7 @@
             <p:nvPr/>
           </p:nvPicPr>
           <p:blipFill>
-            <a:blip r:embed="rId2">
+            <a:blip r:embed="rId3">
               <a:extLst>
                 <a:ext uri="{28A0092B-C50C-407E-A947-70E740481C1C}">
                   <a14:useLocalDpi xmlns:a14="http://schemas.microsoft.com/office/drawing/2010/main" val="0"/>
@@ -25287,7 +26023,7 @@
             <p:nvPr/>
           </p:nvPicPr>
           <p:blipFill>
-            <a:blip r:embed="rId2">
+            <a:blip r:embed="rId3">
               <a:extLst>
                 <a:ext uri="{28A0092B-C50C-407E-A947-70E740481C1C}">
                   <a14:useLocalDpi xmlns:a14="http://schemas.microsoft.com/office/drawing/2010/main" val="0"/>
@@ -25614,7 +26350,7 @@
             <p:nvPr/>
           </p:nvPicPr>
           <p:blipFill>
-            <a:blip r:embed="rId2">
+            <a:blip r:embed="rId3">
               <a:extLst>
                 <a:ext uri="{28A0092B-C50C-407E-A947-70E740481C1C}">
                   <a14:useLocalDpi xmlns:a14="http://schemas.microsoft.com/office/drawing/2010/main" val="0"/>
@@ -25880,7 +26616,7 @@
             <p:nvPr/>
           </p:nvPicPr>
           <p:blipFill>
-            <a:blip r:embed="rId2">
+            <a:blip r:embed="rId3">
               <a:extLst>
                 <a:ext uri="{28A0092B-C50C-407E-A947-70E740481C1C}">
                   <a14:useLocalDpi xmlns:a14="http://schemas.microsoft.com/office/drawing/2010/main" val="0"/>
@@ -26146,7 +26882,7 @@
             <p:nvPr/>
           </p:nvPicPr>
           <p:blipFill>
-            <a:blip r:embed="rId2">
+            <a:blip r:embed="rId3">
               <a:extLst>
                 <a:ext uri="{28A0092B-C50C-407E-A947-70E740481C1C}">
                   <a14:useLocalDpi xmlns:a14="http://schemas.microsoft.com/office/drawing/2010/main" val="0"/>
@@ -26332,7 +27068,7 @@
           <p:nvPr/>
         </p:nvPicPr>
         <p:blipFill>
-          <a:blip r:embed="rId3">
+          <a:blip r:embed="rId4">
             <a:extLst>
               <a:ext uri="{28A0092B-C50C-407E-A947-70E740481C1C}">
                 <a14:useLocalDpi xmlns:a14="http://schemas.microsoft.com/office/drawing/2010/main" val="0"/>
@@ -26529,7 +27265,11 @@
           <a:p>
             <a:pPr algn="ctr"/>
             <a:r>
-              <a:rPr lang="en-US" b="1" dirty="0"/>
+              <a:rPr lang="en-US" b="1" dirty="0">
+                <a:solidFill>
+                  <a:schemeClr val="bg1"/>
+                </a:solidFill>
+              </a:rPr>
               <a:t>01</a:t>
             </a:r>
           </a:p>
@@ -26611,7 +27351,7 @@
                 </a:solidFill>
                 <a:latin typeface="+mj-lt"/>
               </a:rPr>
-              <a:t>Containers inter connectivity</a:t>
+              <a:t>Jenkins - Access to external resources</a:t>
             </a:r>
           </a:p>
         </p:txBody>
@@ -26689,7 +27429,11 @@
           <a:p>
             <a:pPr algn="ctr"/>
             <a:r>
-              <a:rPr lang="en-US" b="1"/>
+              <a:rPr lang="en-US" b="1">
+                <a:solidFill>
+                  <a:schemeClr val="bg1"/>
+                </a:solidFill>
+              </a:rPr>
               <a:t>02</a:t>
             </a:r>
           </a:p>
@@ -26710,7 +27454,7 @@
         <p:spPr>
           <a:xfrm>
             <a:off x="5706244" y="3217230"/>
-            <a:ext cx="2283366" cy="430887"/>
+            <a:ext cx="2283366" cy="769441"/>
           </a:xfrm>
           <a:prstGeom prst="rect">
             <a:avLst/>
@@ -26730,7 +27474,7 @@
                   <a:schemeClr val="bg1"/>
                 </a:solidFill>
               </a:rPr>
-              <a:t>Same host, should be straight forward by secrets management</a:t>
+              <a:t>Even being able to access from host and have the right password, had issues making Jenkins access external resources</a:t>
             </a:r>
           </a:p>
         </p:txBody>
@@ -26749,7 +27493,7 @@
         </p:nvSpPr>
         <p:spPr>
           <a:xfrm>
-            <a:off x="5486511" y="3926575"/>
+            <a:off x="5486511" y="4159329"/>
             <a:ext cx="2503098" cy="400110"/>
           </a:xfrm>
           <a:prstGeom prst="rect">
@@ -26792,7 +27536,7 @@
         </p:nvCxnSpPr>
         <p:spPr>
           <a:xfrm>
-            <a:off x="5629401" y="4411173"/>
+            <a:off x="5629401" y="4643927"/>
             <a:ext cx="2360209" cy="0"/>
           </a:xfrm>
           <a:prstGeom prst="line">
@@ -26833,7 +27577,7 @@
         </p:nvSpPr>
         <p:spPr>
           <a:xfrm>
-            <a:off x="8060843" y="4226507"/>
+            <a:off x="8060843" y="4459261"/>
             <a:ext cx="471558" cy="369332"/>
           </a:xfrm>
           <a:prstGeom prst="rect">
@@ -26849,7 +27593,11 @@
           <a:p>
             <a:pPr algn="ctr"/>
             <a:r>
-              <a:rPr lang="en-US" b="1"/>
+              <a:rPr lang="en-US" b="1">
+                <a:solidFill>
+                  <a:schemeClr val="bg1"/>
+                </a:solidFill>
+              </a:rPr>
               <a:t>03</a:t>
             </a:r>
           </a:p>
@@ -26869,7 +27617,7 @@
         </p:nvSpPr>
         <p:spPr>
           <a:xfrm>
-            <a:off x="5706244" y="4495661"/>
+            <a:off x="5706244" y="4728415"/>
             <a:ext cx="2283366" cy="430887"/>
           </a:xfrm>
           <a:prstGeom prst="rect">
@@ -26909,7 +27657,7 @@
         </p:nvSpPr>
         <p:spPr>
           <a:xfrm>
-            <a:off x="5486511" y="5227668"/>
+            <a:off x="5486511" y="5460422"/>
             <a:ext cx="2503098" cy="400110"/>
           </a:xfrm>
           <a:prstGeom prst="rect">
@@ -26931,7 +27679,7 @@
                 </a:solidFill>
                 <a:latin typeface="+mj-lt"/>
               </a:rPr>
-              <a:t>Resource competition</a:t>
+              <a:t>Disk space</a:t>
             </a:r>
           </a:p>
         </p:txBody>
@@ -26952,7 +27700,7 @@
         </p:nvCxnSpPr>
         <p:spPr>
           <a:xfrm>
-            <a:off x="5163170" y="5712266"/>
+            <a:off x="5163170" y="5945020"/>
             <a:ext cx="2826440" cy="0"/>
           </a:xfrm>
           <a:prstGeom prst="line">
@@ -26993,7 +27741,7 @@
         </p:nvSpPr>
         <p:spPr>
           <a:xfrm>
-            <a:off x="8060843" y="5527600"/>
+            <a:off x="8060843" y="5760354"/>
             <a:ext cx="471558" cy="369332"/>
           </a:xfrm>
           <a:prstGeom prst="rect">
@@ -27009,7 +27757,11 @@
           <a:p>
             <a:pPr algn="ctr"/>
             <a:r>
-              <a:rPr lang="en-US" b="1" dirty="0"/>
+              <a:rPr lang="en-US" b="1" dirty="0">
+                <a:solidFill>
+                  <a:schemeClr val="bg1"/>
+                </a:solidFill>
+              </a:rPr>
               <a:t>04</a:t>
             </a:r>
           </a:p>
@@ -27029,7 +27781,7 @@
         </p:nvSpPr>
         <p:spPr>
           <a:xfrm>
-            <a:off x="5706244" y="5796754"/>
+            <a:off x="5706244" y="6029508"/>
             <a:ext cx="2283366" cy="261610"/>
           </a:xfrm>
           <a:prstGeom prst="rect">
